--- a/RDBMS/DB.pptx
+++ b/RDBMS/DB.pptx
@@ -7,7 +7,7 @@
     <p:sldMasterId id="2147483685" r:id="rId3"/>
   </p:sldMasterIdLst>
   <p:notesMasterIdLst>
-    <p:notesMasterId r:id="rId105"/>
+    <p:notesMasterId r:id="rId110"/>
   </p:notesMasterIdLst>
   <p:sldIdLst>
     <p:sldId id="261" r:id="rId4"/>
@@ -111,6 +111,11 @@
     <p:sldId id="362" r:id="rId102"/>
     <p:sldId id="363" r:id="rId103"/>
     <p:sldId id="364" r:id="rId104"/>
+    <p:sldId id="366" r:id="rId105"/>
+    <p:sldId id="367" r:id="rId106"/>
+    <p:sldId id="365" r:id="rId107"/>
+    <p:sldId id="368" r:id="rId108"/>
+    <p:sldId id="369" r:id="rId109"/>
   </p:sldIdLst>
   <p:sldSz cx="9144000" cy="6858000" type="screen4x3"/>
   <p:notesSz cx="6858000" cy="9144000"/>
@@ -295,7 +300,7 @@
             <a:fld id="{E2090823-6E1A-48BA-B16A-090642E22F6D}" type="datetimeFigureOut">
               <a:rPr lang="en-US" smtClean="0"/>
               <a:pPr/>
-              <a:t>10/20/2020</a:t>
+              <a:t>10/21/2020</a:t>
             </a:fld>
             <a:endParaRPr lang="en-GB"/>
           </a:p>
@@ -15529,7 +15534,7 @@
         <p:spPr>
           <a:xfrm>
             <a:off x="785786" y="5357826"/>
-            <a:ext cx="6974986" cy="923330"/>
+            <a:ext cx="7840608" cy="923330"/>
           </a:xfrm>
           <a:prstGeom prst="rect">
             <a:avLst/>
@@ -15558,21 +15563,30 @@
             </a:r>
             <a:r>
               <a:rPr lang="en-GB" dirty="0" smtClean="0"/>
-              <a:t> req. D-&gt;F violates the rule as non-prime attribute (F) is not </a:t>
-            </a:r>
-            <a:r>
-              <a:rPr lang="en-GB" dirty="0" err="1" smtClean="0"/>
-              <a:t>tranisitively</a:t>
-            </a:r>
+              <a:t> req. D-&gt;F violates the rule as non-prime attribute (F) </a:t>
+            </a:r>
+            <a:endParaRPr lang="en-GB" dirty="0" smtClean="0"/>
+          </a:p>
+          <a:p>
             <a:r>
               <a:rPr lang="en-GB" dirty="0" smtClean="0"/>
-              <a:t> dependent</a:t>
-            </a:r>
-          </a:p>
-          <a:p>
+              <a:t>is </a:t>
+            </a:r>
             <a:r>
               <a:rPr lang="en-GB" dirty="0" smtClean="0"/>
-              <a:t>On </a:t>
+              <a:t>not </a:t>
+            </a:r>
+            <a:r>
+              <a:rPr lang="en-GB" dirty="0" smtClean="0"/>
+              <a:t>dependent</a:t>
+            </a:r>
+            <a:r>
+              <a:rPr lang="en-GB" dirty="0" smtClean="0"/>
+              <a:t> o</a:t>
+            </a:r>
+            <a:r>
+              <a:rPr lang="en-GB" dirty="0" smtClean="0"/>
+              <a:t>n </a:t>
             </a:r>
             <a:r>
               <a:rPr lang="en-GB" dirty="0" err="1" smtClean="0"/>
@@ -15692,7 +15706,7 @@
         <p:spPr>
           <a:xfrm>
             <a:off x="785786" y="5357826"/>
-            <a:ext cx="6123792" cy="369332"/>
+            <a:ext cx="5032147" cy="646331"/>
           </a:xfrm>
           <a:prstGeom prst="rect">
             <a:avLst/>
@@ -15707,7 +15721,14 @@
           <a:p>
             <a:r>
               <a:rPr lang="en-GB" dirty="0" smtClean="0"/>
-              <a:t>Converting to 3NF is same as that for 2NF (</a:t>
+              <a:t>Converting to 3NF is same as that for 2NF </a:t>
+            </a:r>
+            <a:endParaRPr lang="en-GB" dirty="0" smtClean="0"/>
+          </a:p>
+          <a:p>
+            <a:r>
+              <a:rPr lang="en-GB" dirty="0" smtClean="0"/>
+              <a:t>(</a:t>
             </a:r>
             <a:r>
               <a:rPr lang="en-GB" dirty="0" err="1" smtClean="0"/>
@@ -15715,13 +15736,8 @@
             </a:r>
             <a:r>
               <a:rPr lang="en-GB" dirty="0" smtClean="0"/>
-              <a:t>, create new table, add </a:t>
-            </a:r>
-            <a:r>
-              <a:rPr lang="en-GB" smtClean="0"/>
-              <a:t>foreign keys)</a:t>
-            </a:r>
-            <a:endParaRPr lang="en-GB" dirty="0" smtClean="0"/>
+              <a:t>, create new table, add foreign keys)</a:t>
+            </a:r>
           </a:p>
         </p:txBody>
       </p:sp>
@@ -15770,6 +15786,743 @@
       </p:par>
     </p:tnLst>
   </p:timing>
+</p:sld>
+</file>
+
+<file path=ppt/slides/slide102.xml><?xml version="1.0" encoding="utf-8"?>
+<p:sld xmlns:a="http://schemas.openxmlformats.org/drawingml/2006/main" xmlns:r="http://schemas.openxmlformats.org/officeDocument/2006/relationships" xmlns:p="http://schemas.openxmlformats.org/presentationml/2006/main" showMasterPhAnim="0">
+  <p:cSld>
+    <p:spTree>
+      <p:nvGrpSpPr>
+        <p:cNvPr id="1" name=""/>
+        <p:cNvGrpSpPr/>
+        <p:nvPr/>
+      </p:nvGrpSpPr>
+      <p:grpSpPr>
+        <a:xfrm>
+          <a:off x="0" y="0"/>
+          <a:ext cx="0" cy="0"/>
+          <a:chOff x="0" y="0"/>
+          <a:chExt cx="0" cy="0"/>
+        </a:xfrm>
+      </p:grpSpPr>
+      <p:sp>
+        <p:nvSpPr>
+          <p:cNvPr id="37890" name="Slide Number Placeholder 4"/>
+          <p:cNvSpPr>
+            <a:spLocks noGrp="1"/>
+          </p:cNvSpPr>
+          <p:nvPr>
+            <p:ph type="sldNum" sz="quarter" idx="4294967295"/>
+          </p:nvPr>
+        </p:nvSpPr>
+        <p:spPr>
+          <a:xfrm>
+            <a:off x="6553200" y="6248400"/>
+            <a:ext cx="1905000" cy="457200"/>
+          </a:xfrm>
+          <a:prstGeom prst="rect">
+            <a:avLst/>
+          </a:prstGeom>
+          <a:noFill/>
+        </p:spPr>
+        <p:txBody>
+          <a:bodyPr/>
+          <a:lstStyle/>
+          <a:p>
+            <a:fld id="{F89F30CD-7A02-47C6-BA85-611A0DF25084}" type="slidenum">
+              <a:rPr lang="en-US" smtClean="0"/>
+              <a:pPr/>
+              <a:t>102</a:t>
+            </a:fld>
+            <a:endParaRPr lang="en-US" smtClean="0"/>
+          </a:p>
+        </p:txBody>
+      </p:sp>
+      <p:pic>
+        <p:nvPicPr>
+          <p:cNvPr id="28674" name="Picture 2"/>
+          <p:cNvPicPr>
+            <a:picLocks noChangeAspect="1" noChangeArrowheads="1"/>
+          </p:cNvPicPr>
+          <p:nvPr/>
+        </p:nvPicPr>
+        <p:blipFill>
+          <a:blip r:embed="rId2"/>
+          <a:srcRect/>
+          <a:stretch>
+            <a:fillRect/>
+          </a:stretch>
+        </p:blipFill>
+        <p:spPr bwMode="auto">
+          <a:xfrm>
+            <a:off x="357158" y="428604"/>
+            <a:ext cx="6650008" cy="3786214"/>
+          </a:xfrm>
+          <a:prstGeom prst="rect">
+            <a:avLst/>
+          </a:prstGeom>
+          <a:noFill/>
+          <a:ln w="9525">
+            <a:noFill/>
+            <a:miter lim="800000"/>
+            <a:headEnd/>
+            <a:tailEnd/>
+          </a:ln>
+          <a:effectLst/>
+        </p:spPr>
+      </p:pic>
+      <p:sp>
+        <p:nvSpPr>
+          <p:cNvPr id="6" name="TextBox 5"/>
+          <p:cNvSpPr txBox="1"/>
+          <p:nvPr/>
+        </p:nvSpPr>
+        <p:spPr>
+          <a:xfrm>
+            <a:off x="928662" y="4500570"/>
+            <a:ext cx="6647974" cy="1477328"/>
+          </a:xfrm>
+          <a:prstGeom prst="rect">
+            <a:avLst/>
+          </a:prstGeom>
+          <a:noFill/>
+        </p:spPr>
+        <p:txBody>
+          <a:bodyPr wrap="none" rtlCol="0">
+            <a:spAutoFit/>
+          </a:bodyPr>
+          <a:lstStyle/>
+          <a:p>
+            <a:r>
+              <a:rPr lang="en-GB" dirty="0" smtClean="0"/>
+              <a:t>BCNF can’t always be achieved</a:t>
+            </a:r>
+          </a:p>
+          <a:p>
+            <a:r>
+              <a:rPr lang="en-GB" dirty="0" smtClean="0"/>
+              <a:t>There is another (Elementary key normal form (EKNF))</a:t>
+            </a:r>
+          </a:p>
+          <a:p>
+            <a:r>
+              <a:rPr lang="en-GB" dirty="0" smtClean="0"/>
+              <a:t>Which is less strict </a:t>
+            </a:r>
+            <a:r>
+              <a:rPr lang="en-GB" dirty="0" smtClean="0"/>
+              <a:t>v</a:t>
+            </a:r>
+            <a:r>
+              <a:rPr lang="en-GB" dirty="0" smtClean="0"/>
+              <a:t>ersion of BCNF, here only some key</a:t>
+            </a:r>
+          </a:p>
+          <a:p>
+            <a:r>
+              <a:rPr lang="en-GB" dirty="0" smtClean="0"/>
+              <a:t>Attributes need to depend on each candidate key</a:t>
+            </a:r>
+          </a:p>
+          <a:p>
+            <a:r>
+              <a:rPr lang="en-GB" dirty="0" smtClean="0"/>
+              <a:t>Instead of all</a:t>
+            </a:r>
+            <a:endParaRPr lang="en-GB" dirty="0"/>
+          </a:p>
+        </p:txBody>
+      </p:sp>
+    </p:spTree>
+  </p:cSld>
+  <p:clrMapOvr>
+    <a:masterClrMapping/>
+  </p:clrMapOvr>
+  <p:timing>
+    <p:tnLst>
+      <p:par>
+        <p:cTn id="1" dur="indefinite" restart="never" nodeType="tmRoot"/>
+      </p:par>
+    </p:tnLst>
+  </p:timing>
+</p:sld>
+</file>
+
+<file path=ppt/slides/slide103.xml><?xml version="1.0" encoding="utf-8"?>
+<p:sld xmlns:a="http://schemas.openxmlformats.org/drawingml/2006/main" xmlns:r="http://schemas.openxmlformats.org/officeDocument/2006/relationships" xmlns:p="http://schemas.openxmlformats.org/presentationml/2006/main" showMasterPhAnim="0">
+  <p:cSld>
+    <p:spTree>
+      <p:nvGrpSpPr>
+        <p:cNvPr id="1" name=""/>
+        <p:cNvGrpSpPr/>
+        <p:nvPr/>
+      </p:nvGrpSpPr>
+      <p:grpSpPr>
+        <a:xfrm>
+          <a:off x="0" y="0"/>
+          <a:ext cx="0" cy="0"/>
+          <a:chOff x="0" y="0"/>
+          <a:chExt cx="0" cy="0"/>
+        </a:xfrm>
+      </p:grpSpPr>
+      <p:sp>
+        <p:nvSpPr>
+          <p:cNvPr id="37890" name="Slide Number Placeholder 4"/>
+          <p:cNvSpPr>
+            <a:spLocks noGrp="1"/>
+          </p:cNvSpPr>
+          <p:nvPr>
+            <p:ph type="sldNum" sz="quarter" idx="4294967295"/>
+          </p:nvPr>
+        </p:nvSpPr>
+        <p:spPr>
+          <a:xfrm>
+            <a:off x="6553200" y="6248400"/>
+            <a:ext cx="1905000" cy="457200"/>
+          </a:xfrm>
+          <a:prstGeom prst="rect">
+            <a:avLst/>
+          </a:prstGeom>
+          <a:noFill/>
+        </p:spPr>
+        <p:txBody>
+          <a:bodyPr/>
+          <a:lstStyle/>
+          <a:p>
+            <a:fld id="{F89F30CD-7A02-47C6-BA85-611A0DF25084}" type="slidenum">
+              <a:rPr lang="en-US" smtClean="0"/>
+              <a:pPr/>
+              <a:t>103</a:t>
+            </a:fld>
+            <a:endParaRPr lang="en-US" smtClean="0"/>
+          </a:p>
+        </p:txBody>
+      </p:sp>
+      <p:pic>
+        <p:nvPicPr>
+          <p:cNvPr id="29698" name="Picture 2"/>
+          <p:cNvPicPr>
+            <a:picLocks noChangeAspect="1" noChangeArrowheads="1"/>
+          </p:cNvPicPr>
+          <p:nvPr/>
+        </p:nvPicPr>
+        <p:blipFill>
+          <a:blip r:embed="rId2"/>
+          <a:srcRect/>
+          <a:stretch>
+            <a:fillRect/>
+          </a:stretch>
+        </p:blipFill>
+        <p:spPr bwMode="auto">
+          <a:xfrm>
+            <a:off x="500034" y="214290"/>
+            <a:ext cx="4953000" cy="2733675"/>
+          </a:xfrm>
+          <a:prstGeom prst="rect">
+            <a:avLst/>
+          </a:prstGeom>
+          <a:noFill/>
+          <a:ln w="9525">
+            <a:noFill/>
+            <a:miter lim="800000"/>
+            <a:headEnd/>
+            <a:tailEnd/>
+          </a:ln>
+          <a:effectLst/>
+        </p:spPr>
+      </p:pic>
+      <p:pic>
+        <p:nvPicPr>
+          <p:cNvPr id="29699" name="Picture 3"/>
+          <p:cNvPicPr>
+            <a:picLocks noChangeAspect="1" noChangeArrowheads="1"/>
+          </p:cNvPicPr>
+          <p:nvPr/>
+        </p:nvPicPr>
+        <p:blipFill>
+          <a:blip r:embed="rId3"/>
+          <a:srcRect/>
+          <a:stretch>
+            <a:fillRect/>
+          </a:stretch>
+        </p:blipFill>
+        <p:spPr bwMode="auto">
+          <a:xfrm>
+            <a:off x="642910" y="3143248"/>
+            <a:ext cx="5469248" cy="3179210"/>
+          </a:xfrm>
+          <a:prstGeom prst="rect">
+            <a:avLst/>
+          </a:prstGeom>
+          <a:noFill/>
+          <a:ln w="9525">
+            <a:noFill/>
+            <a:miter lim="800000"/>
+            <a:headEnd/>
+            <a:tailEnd/>
+          </a:ln>
+          <a:effectLst/>
+        </p:spPr>
+      </p:pic>
+    </p:spTree>
+  </p:cSld>
+  <p:clrMapOvr>
+    <a:masterClrMapping/>
+  </p:clrMapOvr>
+  <p:timing>
+    <p:tnLst>
+      <p:par>
+        <p:cTn id="1" dur="indefinite" restart="never" nodeType="tmRoot"/>
+      </p:par>
+    </p:tnLst>
+  </p:timing>
+</p:sld>
+</file>
+
+<file path=ppt/slides/slide104.xml><?xml version="1.0" encoding="utf-8"?>
+<p:sld xmlns:a="http://schemas.openxmlformats.org/drawingml/2006/main" xmlns:r="http://schemas.openxmlformats.org/officeDocument/2006/relationships" xmlns:p="http://schemas.openxmlformats.org/presentationml/2006/main">
+  <p:cSld>
+    <p:spTree>
+      <p:nvGrpSpPr>
+        <p:cNvPr id="1" name=""/>
+        <p:cNvGrpSpPr/>
+        <p:nvPr/>
+      </p:nvGrpSpPr>
+      <p:grpSpPr>
+        <a:xfrm>
+          <a:off x="0" y="0"/>
+          <a:ext cx="0" cy="0"/>
+          <a:chOff x="0" y="0"/>
+          <a:chExt cx="0" cy="0"/>
+        </a:xfrm>
+      </p:grpSpPr>
+      <p:sp>
+        <p:nvSpPr>
+          <p:cNvPr id="2" name="Title 1"/>
+          <p:cNvSpPr>
+            <a:spLocks noGrp="1"/>
+          </p:cNvSpPr>
+          <p:nvPr>
+            <p:ph type="title"/>
+          </p:nvPr>
+        </p:nvSpPr>
+        <p:spPr/>
+        <p:txBody>
+          <a:bodyPr/>
+          <a:lstStyle/>
+          <a:p>
+            <a:r>
+              <a:rPr lang="en-GB" dirty="0" smtClean="0"/>
+              <a:t>DB design steps</a:t>
+            </a:r>
+            <a:endParaRPr lang="en-GB" dirty="0"/>
+          </a:p>
+        </p:txBody>
+      </p:sp>
+      <p:sp>
+        <p:nvSpPr>
+          <p:cNvPr id="3" name="Content Placeholder 2"/>
+          <p:cNvSpPr>
+            <a:spLocks noGrp="1"/>
+          </p:cNvSpPr>
+          <p:nvPr>
+            <p:ph idx="1"/>
+          </p:nvPr>
+        </p:nvSpPr>
+        <p:spPr/>
+        <p:txBody>
+          <a:bodyPr/>
+          <a:lstStyle/>
+          <a:p>
+            <a:r>
+              <a:rPr lang="en-GB" dirty="0" smtClean="0"/>
+              <a:t>Req. Gathering</a:t>
+            </a:r>
+          </a:p>
+          <a:p>
+            <a:r>
+              <a:rPr lang="en-GB" dirty="0" smtClean="0"/>
+              <a:t>Create ER diagram</a:t>
+            </a:r>
+          </a:p>
+          <a:p>
+            <a:r>
+              <a:rPr lang="en-GB" dirty="0" smtClean="0"/>
+              <a:t>Convert ER diagram to Relational tables</a:t>
+            </a:r>
+          </a:p>
+          <a:p>
+            <a:r>
+              <a:rPr lang="en-GB" dirty="0" smtClean="0"/>
+              <a:t>Identify functional dependencies</a:t>
+            </a:r>
+          </a:p>
+          <a:p>
+            <a:r>
+              <a:rPr lang="en-GB" dirty="0" smtClean="0"/>
+              <a:t>Normalize the relations</a:t>
+            </a:r>
+          </a:p>
+          <a:p>
+            <a:r>
+              <a:rPr lang="en-GB" dirty="0" smtClean="0"/>
+              <a:t>Modify ER after normalization</a:t>
+            </a:r>
+          </a:p>
+          <a:p>
+            <a:r>
+              <a:rPr lang="en-GB" dirty="0" smtClean="0"/>
+              <a:t>Create tables in DB</a:t>
+            </a:r>
+          </a:p>
+          <a:p>
+            <a:r>
+              <a:rPr lang="en-GB" dirty="0" smtClean="0"/>
+              <a:t>SQL queries</a:t>
+            </a:r>
+          </a:p>
+          <a:p>
+            <a:r>
+              <a:rPr lang="en-GB" dirty="0" smtClean="0"/>
+              <a:t>Do Indexing</a:t>
+            </a:r>
+          </a:p>
+        </p:txBody>
+      </p:sp>
+      <p:sp>
+        <p:nvSpPr>
+          <p:cNvPr id="4" name="Slide Number Placeholder 3"/>
+          <p:cNvSpPr>
+            <a:spLocks noGrp="1"/>
+          </p:cNvSpPr>
+          <p:nvPr>
+            <p:ph type="sldNum" sz="quarter" idx="10"/>
+          </p:nvPr>
+        </p:nvSpPr>
+        <p:spPr/>
+        <p:txBody>
+          <a:bodyPr/>
+          <a:lstStyle/>
+          <a:p>
+            <a:pPr>
+              <a:defRPr/>
+            </a:pPr>
+            <a:fld id="{2FAE389F-C188-4A42-8436-B53D0C2EE946}" type="slidenum">
+              <a:rPr lang="en-US" smtClean="0"/>
+              <a:pPr>
+                <a:defRPr/>
+              </a:pPr>
+              <a:t>104</a:t>
+            </a:fld>
+            <a:endParaRPr lang="en-US"/>
+          </a:p>
+        </p:txBody>
+      </p:sp>
+    </p:spTree>
+  </p:cSld>
+  <p:clrMapOvr>
+    <a:masterClrMapping/>
+  </p:clrMapOvr>
+</p:sld>
+</file>
+
+<file path=ppt/slides/slide105.xml><?xml version="1.0" encoding="utf-8"?>
+<p:sld xmlns:a="http://schemas.openxmlformats.org/drawingml/2006/main" xmlns:r="http://schemas.openxmlformats.org/officeDocument/2006/relationships" xmlns:p="http://schemas.openxmlformats.org/presentationml/2006/main">
+  <p:cSld>
+    <p:spTree>
+      <p:nvGrpSpPr>
+        <p:cNvPr id="1" name=""/>
+        <p:cNvGrpSpPr/>
+        <p:nvPr/>
+      </p:nvGrpSpPr>
+      <p:grpSpPr>
+        <a:xfrm>
+          <a:off x="0" y="0"/>
+          <a:ext cx="0" cy="0"/>
+          <a:chOff x="0" y="0"/>
+          <a:chExt cx="0" cy="0"/>
+        </a:xfrm>
+      </p:grpSpPr>
+      <p:sp>
+        <p:nvSpPr>
+          <p:cNvPr id="2" name="Title 1"/>
+          <p:cNvSpPr>
+            <a:spLocks noGrp="1"/>
+          </p:cNvSpPr>
+          <p:nvPr>
+            <p:ph type="title"/>
+          </p:nvPr>
+        </p:nvSpPr>
+        <p:spPr/>
+        <p:txBody>
+          <a:bodyPr/>
+          <a:lstStyle/>
+          <a:p>
+            <a:r>
+              <a:rPr lang="en-GB" dirty="0" smtClean="0"/>
+              <a:t>ER to Relational steps</a:t>
+            </a:r>
+            <a:endParaRPr lang="en-GB" dirty="0"/>
+          </a:p>
+        </p:txBody>
+      </p:sp>
+      <p:sp>
+        <p:nvSpPr>
+          <p:cNvPr id="3" name="Content Placeholder 2"/>
+          <p:cNvSpPr>
+            <a:spLocks noGrp="1"/>
+          </p:cNvSpPr>
+          <p:nvPr>
+            <p:ph idx="1"/>
+          </p:nvPr>
+        </p:nvSpPr>
+        <p:spPr/>
+        <p:txBody>
+          <a:bodyPr/>
+          <a:lstStyle/>
+          <a:p>
+            <a:r>
+              <a:rPr lang="en-GB" dirty="0" smtClean="0"/>
+              <a:t>Create table for each entity</a:t>
+            </a:r>
+          </a:p>
+          <a:p>
+            <a:r>
+              <a:rPr lang="en-GB" dirty="0" smtClean="0"/>
+              <a:t>For (one to many)relations use foreign keys</a:t>
+            </a:r>
+          </a:p>
+          <a:p>
+            <a:endParaRPr lang="en-GB" dirty="0" smtClean="0"/>
+          </a:p>
+          <a:p>
+            <a:pPr>
+              <a:buNone/>
+            </a:pPr>
+            <a:endParaRPr lang="en-GB" dirty="0" smtClean="0"/>
+          </a:p>
+        </p:txBody>
+      </p:sp>
+      <p:sp>
+        <p:nvSpPr>
+          <p:cNvPr id="4" name="Slide Number Placeholder 3"/>
+          <p:cNvSpPr>
+            <a:spLocks noGrp="1"/>
+          </p:cNvSpPr>
+          <p:nvPr>
+            <p:ph type="sldNum" sz="quarter" idx="10"/>
+          </p:nvPr>
+        </p:nvSpPr>
+        <p:spPr/>
+        <p:txBody>
+          <a:bodyPr/>
+          <a:lstStyle/>
+          <a:p>
+            <a:pPr>
+              <a:defRPr/>
+            </a:pPr>
+            <a:fld id="{2FAE389F-C188-4A42-8436-B53D0C2EE946}" type="slidenum">
+              <a:rPr lang="en-US" smtClean="0"/>
+              <a:pPr>
+                <a:defRPr/>
+              </a:pPr>
+              <a:t>105</a:t>
+            </a:fld>
+            <a:endParaRPr lang="en-US"/>
+          </a:p>
+        </p:txBody>
+      </p:sp>
+      <p:pic>
+        <p:nvPicPr>
+          <p:cNvPr id="30724" name="Picture 4"/>
+          <p:cNvPicPr>
+            <a:picLocks noChangeAspect="1" noChangeArrowheads="1"/>
+          </p:cNvPicPr>
+          <p:nvPr/>
+        </p:nvPicPr>
+        <p:blipFill>
+          <a:blip r:embed="rId2"/>
+          <a:srcRect/>
+          <a:stretch>
+            <a:fillRect/>
+          </a:stretch>
+        </p:blipFill>
+        <p:spPr bwMode="auto">
+          <a:xfrm>
+            <a:off x="642910" y="2071678"/>
+            <a:ext cx="5900755" cy="3958120"/>
+          </a:xfrm>
+          <a:prstGeom prst="rect">
+            <a:avLst/>
+          </a:prstGeom>
+          <a:noFill/>
+          <a:ln w="9525">
+            <a:noFill/>
+            <a:miter lim="800000"/>
+            <a:headEnd/>
+            <a:tailEnd/>
+          </a:ln>
+          <a:effectLst/>
+        </p:spPr>
+      </p:pic>
+    </p:spTree>
+  </p:cSld>
+  <p:clrMapOvr>
+    <a:masterClrMapping/>
+  </p:clrMapOvr>
+</p:sld>
+</file>
+
+<file path=ppt/slides/slide106.xml><?xml version="1.0" encoding="utf-8"?>
+<p:sld xmlns:a="http://schemas.openxmlformats.org/drawingml/2006/main" xmlns:r="http://schemas.openxmlformats.org/officeDocument/2006/relationships" xmlns:p="http://schemas.openxmlformats.org/presentationml/2006/main">
+  <p:cSld>
+    <p:spTree>
+      <p:nvGrpSpPr>
+        <p:cNvPr id="1" name=""/>
+        <p:cNvGrpSpPr/>
+        <p:nvPr/>
+      </p:nvGrpSpPr>
+      <p:grpSpPr>
+        <a:xfrm>
+          <a:off x="0" y="0"/>
+          <a:ext cx="0" cy="0"/>
+          <a:chOff x="0" y="0"/>
+          <a:chExt cx="0" cy="0"/>
+        </a:xfrm>
+      </p:grpSpPr>
+      <p:sp>
+        <p:nvSpPr>
+          <p:cNvPr id="2" name="Title 1"/>
+          <p:cNvSpPr>
+            <a:spLocks noGrp="1"/>
+          </p:cNvSpPr>
+          <p:nvPr>
+            <p:ph type="title"/>
+          </p:nvPr>
+        </p:nvSpPr>
+        <p:spPr/>
+        <p:txBody>
+          <a:bodyPr/>
+          <a:lstStyle/>
+          <a:p>
+            <a:r>
+              <a:rPr lang="en-GB" dirty="0" smtClean="0"/>
+              <a:t>ER to Relational steps</a:t>
+            </a:r>
+            <a:endParaRPr lang="en-GB" dirty="0"/>
+          </a:p>
+        </p:txBody>
+      </p:sp>
+      <p:sp>
+        <p:nvSpPr>
+          <p:cNvPr id="3" name="Content Placeholder 2"/>
+          <p:cNvSpPr>
+            <a:spLocks noGrp="1"/>
+          </p:cNvSpPr>
+          <p:nvPr>
+            <p:ph idx="1"/>
+          </p:nvPr>
+        </p:nvSpPr>
+        <p:spPr>
+          <a:xfrm>
+            <a:off x="214282" y="1114425"/>
+            <a:ext cx="8572560" cy="4876800"/>
+          </a:xfrm>
+        </p:spPr>
+        <p:txBody>
+          <a:bodyPr/>
+          <a:lstStyle/>
+          <a:p>
+            <a:r>
+              <a:rPr lang="en-GB" dirty="0" smtClean="0"/>
+              <a:t>For (many to many)relations we need to create a separate table</a:t>
+            </a:r>
+          </a:p>
+          <a:p>
+            <a:r>
+              <a:rPr lang="en-GB" dirty="0" smtClean="0"/>
+              <a:t>Primary keys of both reference tables are added as foreign keys in the new table</a:t>
+            </a:r>
+          </a:p>
+          <a:p>
+            <a:endParaRPr lang="en-GB" dirty="0" smtClean="0"/>
+          </a:p>
+          <a:p>
+            <a:pPr>
+              <a:buNone/>
+            </a:pPr>
+            <a:endParaRPr lang="en-GB" dirty="0" smtClean="0"/>
+          </a:p>
+        </p:txBody>
+      </p:sp>
+      <p:sp>
+        <p:nvSpPr>
+          <p:cNvPr id="4" name="Slide Number Placeholder 3"/>
+          <p:cNvSpPr>
+            <a:spLocks noGrp="1"/>
+          </p:cNvSpPr>
+          <p:nvPr>
+            <p:ph type="sldNum" sz="quarter" idx="10"/>
+          </p:nvPr>
+        </p:nvSpPr>
+        <p:spPr/>
+        <p:txBody>
+          <a:bodyPr/>
+          <a:lstStyle/>
+          <a:p>
+            <a:pPr>
+              <a:defRPr/>
+            </a:pPr>
+            <a:fld id="{2FAE389F-C188-4A42-8436-B53D0C2EE946}" type="slidenum">
+              <a:rPr lang="en-US" smtClean="0"/>
+              <a:pPr>
+                <a:defRPr/>
+              </a:pPr>
+              <a:t>106</a:t>
+            </a:fld>
+            <a:endParaRPr lang="en-US"/>
+          </a:p>
+        </p:txBody>
+      </p:sp>
+      <p:pic>
+        <p:nvPicPr>
+          <p:cNvPr id="31746" name="Picture 2"/>
+          <p:cNvPicPr>
+            <a:picLocks noChangeAspect="1" noChangeArrowheads="1"/>
+          </p:cNvPicPr>
+          <p:nvPr/>
+        </p:nvPicPr>
+        <p:blipFill>
+          <a:blip r:embed="rId2"/>
+          <a:srcRect/>
+          <a:stretch>
+            <a:fillRect/>
+          </a:stretch>
+        </p:blipFill>
+        <p:spPr bwMode="auto">
+          <a:xfrm>
+            <a:off x="928662" y="2264806"/>
+            <a:ext cx="5576880" cy="4130727"/>
+          </a:xfrm>
+          <a:prstGeom prst="rect">
+            <a:avLst/>
+          </a:prstGeom>
+          <a:noFill/>
+          <a:ln w="9525">
+            <a:noFill/>
+            <a:miter lim="800000"/>
+            <a:headEnd/>
+            <a:tailEnd/>
+          </a:ln>
+          <a:effectLst/>
+        </p:spPr>
+      </p:pic>
+    </p:spTree>
+  </p:cSld>
+  <p:clrMapOvr>
+    <a:masterClrMapping/>
+  </p:clrMapOvr>
 </p:sld>
 </file>
 
@@ -51416,8 +52169,8 @@
         </p:nvSpPr>
         <p:spPr>
           <a:xfrm>
-            <a:off x="928662" y="5214950"/>
-            <a:ext cx="7345281" cy="1477328"/>
+            <a:off x="714348" y="5000636"/>
+            <a:ext cx="8379217" cy="1754326"/>
           </a:xfrm>
           <a:prstGeom prst="rect">
             <a:avLst/>
@@ -51432,11 +52185,7 @@
           <a:p>
             <a:r>
               <a:rPr lang="en-GB" dirty="0" smtClean="0"/>
-              <a:t>Key should be minimal set of candidate </a:t>
-            </a:r>
-            <a:r>
-              <a:rPr lang="en-GB" dirty="0" smtClean="0"/>
-              <a:t>key</a:t>
+              <a:t>Key should be minimal set of candidate key</a:t>
             </a:r>
           </a:p>
           <a:p>
@@ -51486,7 +52235,18 @@
             </a:r>
             <a:r>
               <a:rPr lang="en-GB" dirty="0" smtClean="0"/>
-              <a:t> are relative to the use case, if every time we </a:t>
+              <a:t> are relative to the use case, </a:t>
+            </a:r>
+            <a:endParaRPr lang="en-GB" dirty="0" smtClean="0"/>
+          </a:p>
+          <a:p>
+            <a:r>
+              <a:rPr lang="en-GB" dirty="0" smtClean="0"/>
+              <a:t>if </a:t>
+            </a:r>
+            <a:r>
+              <a:rPr lang="en-GB" dirty="0" smtClean="0"/>
+              <a:t>every time we </a:t>
             </a:r>
             <a:r>
               <a:rPr lang="en-GB" dirty="0" err="1" smtClean="0"/>
@@ -51671,8 +52431,8 @@
         </p:nvSpPr>
         <p:spPr>
           <a:xfrm>
-            <a:off x="571500" y="1114425"/>
-            <a:ext cx="8077200" cy="5029200"/>
+            <a:off x="642910" y="1285860"/>
+            <a:ext cx="7934352" cy="4786327"/>
           </a:xfrm>
         </p:spPr>
         <p:txBody>
@@ -51680,19 +52440,19 @@
           <a:lstStyle/>
           <a:p>
             <a:r>
-              <a:rPr lang="en-US" smtClean="0"/>
+              <a:rPr lang="en-US" dirty="0" smtClean="0"/>
               <a:t>The set of all functional dependencies logically implied by </a:t>
             </a:r>
             <a:r>
-              <a:rPr lang="en-US" i="1" smtClean="0"/>
+              <a:rPr lang="en-US" i="1" dirty="0" smtClean="0"/>
               <a:t>F</a:t>
             </a:r>
             <a:r>
-              <a:rPr lang="en-US" smtClean="0"/>
+              <a:rPr lang="en-US" dirty="0" smtClean="0"/>
               <a:t> is the </a:t>
             </a:r>
             <a:r>
-              <a:rPr lang="en-US" i="1" smtClean="0">
+              <a:rPr lang="en-US" i="1" dirty="0" smtClean="0">
                 <a:solidFill>
                   <a:schemeClr val="tx2"/>
                 </a:solidFill>
@@ -51700,44 +52460,44 @@
               <a:t>closure</a:t>
             </a:r>
             <a:r>
-              <a:rPr lang="en-US" smtClean="0"/>
+              <a:rPr lang="en-US" dirty="0" smtClean="0"/>
               <a:t> of </a:t>
             </a:r>
             <a:r>
-              <a:rPr lang="en-US" i="1" smtClean="0"/>
+              <a:rPr lang="en-US" i="1" dirty="0" smtClean="0"/>
               <a:t>F</a:t>
             </a:r>
             <a:r>
-              <a:rPr lang="en-US" smtClean="0"/>
+              <a:rPr lang="en-US" dirty="0" smtClean="0"/>
               <a:t>.</a:t>
             </a:r>
           </a:p>
           <a:p>
-            <a:endParaRPr lang="en-US" smtClean="0"/>
-          </a:p>
-          <a:p>
-            <a:r>
-              <a:rPr lang="en-US" smtClean="0"/>
+            <a:endParaRPr lang="en-US" dirty="0" smtClean="0"/>
+          </a:p>
+          <a:p>
+            <a:r>
+              <a:rPr lang="en-US" dirty="0" smtClean="0"/>
               <a:t>We denote the </a:t>
             </a:r>
             <a:r>
-              <a:rPr lang="en-US" i="1" smtClean="0"/>
+              <a:rPr lang="en-US" i="1" dirty="0" smtClean="0"/>
               <a:t>closure </a:t>
             </a:r>
             <a:r>
-              <a:rPr lang="en-US" smtClean="0"/>
+              <a:rPr lang="en-US" dirty="0" smtClean="0"/>
               <a:t>of </a:t>
             </a:r>
             <a:r>
-              <a:rPr lang="en-US" i="1" smtClean="0"/>
+              <a:rPr lang="en-US" i="1" dirty="0" smtClean="0"/>
               <a:t>F</a:t>
             </a:r>
             <a:r>
-              <a:rPr lang="en-US" smtClean="0"/>
+              <a:rPr lang="en-US" dirty="0" smtClean="0"/>
               <a:t> by </a:t>
             </a:r>
             <a:r>
-              <a:rPr lang="en-US" smtClean="0">
+              <a:rPr lang="en-US" dirty="0" smtClean="0">
                 <a:solidFill>
                   <a:schemeClr val="tx2"/>
                 </a:solidFill>
@@ -51745,7 +52505,7 @@
               <a:t>F</a:t>
             </a:r>
             <a:r>
-              <a:rPr lang="en-US" i="1" baseline="30000" smtClean="0">
+              <a:rPr lang="en-US" i="1" baseline="30000" dirty="0" smtClean="0">
                 <a:solidFill>
                   <a:schemeClr val="tx2"/>
                 </a:solidFill>
@@ -51753,7 +52513,7 @@
               <a:t>+</a:t>
             </a:r>
             <a:r>
-              <a:rPr lang="en-US" i="1" smtClean="0">
+              <a:rPr lang="en-US" i="1" dirty="0" smtClean="0">
                 <a:solidFill>
                   <a:schemeClr val="tx2"/>
                 </a:solidFill>
@@ -51762,7 +52522,7 @@
             </a:r>
           </a:p>
           <a:p>
-            <a:endParaRPr lang="en-US" i="1" smtClean="0">
+            <a:endParaRPr lang="en-US" i="1" dirty="0" smtClean="0">
               <a:solidFill>
                 <a:schemeClr val="tx2"/>
               </a:solidFill>
@@ -51770,31 +52530,31 @@
           </a:p>
           <a:p>
             <a:r>
-              <a:rPr lang="en-US" smtClean="0"/>
+              <a:rPr lang="en-US" dirty="0" smtClean="0"/>
               <a:t>We can find all of</a:t>
             </a:r>
             <a:r>
-              <a:rPr lang="en-US" i="1" smtClean="0"/>
+              <a:rPr lang="en-US" i="1" dirty="0" smtClean="0"/>
               <a:t> </a:t>
             </a:r>
             <a:r>
-              <a:rPr lang="en-US" smtClean="0"/>
+              <a:rPr lang="en-US" dirty="0" smtClean="0"/>
               <a:t>F</a:t>
             </a:r>
             <a:r>
-              <a:rPr lang="en-US" i="1" baseline="30000" smtClean="0"/>
+              <a:rPr lang="en-US" i="1" baseline="30000" dirty="0" smtClean="0"/>
               <a:t>+</a:t>
             </a:r>
             <a:r>
-              <a:rPr lang="en-US" i="1" smtClean="0"/>
+              <a:rPr lang="en-US" i="1" dirty="0" smtClean="0"/>
               <a:t> </a:t>
             </a:r>
             <a:r>
-              <a:rPr lang="en-US" smtClean="0"/>
+              <a:rPr lang="en-US" dirty="0" smtClean="0"/>
               <a:t>by applying </a:t>
             </a:r>
             <a:r>
-              <a:rPr lang="en-US" smtClean="0">
+              <a:rPr lang="en-US" dirty="0" smtClean="0">
                 <a:solidFill>
                   <a:schemeClr val="tx2"/>
                 </a:solidFill>
@@ -51802,42 +52562,42 @@
               <a:t>Armstrong’s Axioms</a:t>
             </a:r>
             <a:r>
-              <a:rPr lang="en-US" smtClean="0"/>
+              <a:rPr lang="en-US" dirty="0" smtClean="0"/>
               <a:t>:</a:t>
             </a:r>
           </a:p>
           <a:p>
             <a:pPr lvl="1"/>
             <a:r>
-              <a:rPr lang="en-US" sz="1800" smtClean="0"/>
+              <a:rPr lang="en-US" sz="1800" dirty="0" smtClean="0"/>
               <a:t>if </a:t>
             </a:r>
             <a:r>
-              <a:rPr lang="en-US" sz="1800" i="1" smtClean="0">
+              <a:rPr lang="en-US" sz="1800" i="1" dirty="0" smtClean="0">
                 <a:sym typeface="Symbol" pitchFamily="18" charset="2"/>
               </a:rPr>
               <a:t></a:t>
             </a:r>
             <a:r>
-              <a:rPr lang="en-US" sz="1800" smtClean="0">
+              <a:rPr lang="en-US" sz="1800" dirty="0" smtClean="0">
                 <a:sym typeface="Symbol" pitchFamily="18" charset="2"/>
               </a:rPr>
               <a:t>  , then  </a:t>
             </a:r>
             <a:r>
-              <a:rPr lang="en-US" sz="1800" smtClean="0">
+              <a:rPr lang="en-US" sz="1800" dirty="0" smtClean="0">
                 <a:sym typeface="Monotype Sorts" pitchFamily="2" charset="2"/>
               </a:rPr>
               <a:t> </a:t>
             </a:r>
             <a:r>
-              <a:rPr lang="en-US" sz="1800" i="1" smtClean="0">
+              <a:rPr lang="en-US" sz="1800" i="1" dirty="0" smtClean="0">
                 <a:sym typeface="Symbol" pitchFamily="18" charset="2"/>
               </a:rPr>
               <a:t>                      </a:t>
             </a:r>
             <a:r>
-              <a:rPr lang="en-US" sz="1800" b="1" smtClean="0">
+              <a:rPr lang="en-US" sz="1800" b="1" dirty="0" smtClean="0">
                 <a:solidFill>
                   <a:srgbClr val="000099"/>
                 </a:solidFill>
@@ -51845,7 +52605,7 @@
               </a:rPr>
               <a:t>(reflexivity)</a:t>
             </a:r>
-            <a:endParaRPr lang="en-US" sz="1800" smtClean="0">
+            <a:endParaRPr lang="en-US" sz="1800" dirty="0" smtClean="0">
               <a:solidFill>
                 <a:srgbClr val="000099"/>
               </a:solidFill>
@@ -51855,67 +52615,67 @@
           <a:p>
             <a:pPr lvl="1"/>
             <a:r>
-              <a:rPr lang="en-US" sz="1800" smtClean="0">
+              <a:rPr lang="en-US" sz="1800" dirty="0" smtClean="0">
                 <a:sym typeface="Symbol" pitchFamily="18" charset="2"/>
               </a:rPr>
               <a:t>if  </a:t>
             </a:r>
             <a:r>
-              <a:rPr lang="en-US" sz="1800" smtClean="0">
+              <a:rPr lang="en-US" sz="1800" dirty="0" smtClean="0">
                 <a:sym typeface="Monotype Sorts" pitchFamily="2" charset="2"/>
               </a:rPr>
               <a:t> </a:t>
             </a:r>
             <a:r>
-              <a:rPr lang="en-US" sz="1800" i="1" smtClean="0">
+              <a:rPr lang="en-US" sz="1800" i="1" dirty="0" smtClean="0">
                 <a:sym typeface="Symbol" pitchFamily="18" charset="2"/>
               </a:rPr>
               <a:t>, </a:t>
             </a:r>
             <a:r>
-              <a:rPr lang="en-US" sz="1800" smtClean="0">
+              <a:rPr lang="en-US" sz="1800" dirty="0" smtClean="0">
                 <a:sym typeface="Symbol" pitchFamily="18" charset="2"/>
               </a:rPr>
               <a:t>then </a:t>
             </a:r>
             <a:r>
-              <a:rPr lang="en-US" sz="1800" smtClean="0">
+              <a:rPr lang="en-US" sz="1800" dirty="0" smtClean="0">
                 <a:sym typeface="Greek Symbols" pitchFamily="18" charset="2"/>
               </a:rPr>
               <a:t> </a:t>
             </a:r>
             <a:r>
-              <a:rPr lang="en-US" sz="1800" smtClean="0">
+              <a:rPr lang="en-US" sz="1800" dirty="0" smtClean="0">
                 <a:sym typeface="Symbol" pitchFamily="18" charset="2"/>
               </a:rPr>
               <a:t> </a:t>
             </a:r>
             <a:r>
-              <a:rPr lang="en-US" sz="1800" smtClean="0">
+              <a:rPr lang="en-US" sz="1800" dirty="0" smtClean="0">
                 <a:sym typeface="Monotype Sorts" pitchFamily="2" charset="2"/>
               </a:rPr>
               <a:t> </a:t>
             </a:r>
             <a:r>
-              <a:rPr lang="en-US" sz="1800" smtClean="0">
+              <a:rPr lang="en-US" sz="1800" dirty="0" smtClean="0">
                 <a:sym typeface="Symbol" pitchFamily="18" charset="2"/>
               </a:rPr>
               <a:t> </a:t>
             </a:r>
             <a:r>
-              <a:rPr lang="en-US" sz="1800" smtClean="0">
+              <a:rPr lang="en-US" sz="1800" dirty="0" smtClean="0">
                 <a:sym typeface="Monotype Sorts" pitchFamily="2" charset="2"/>
               </a:rPr>
               <a:t> </a:t>
             </a:r>
             <a:r>
-              <a:rPr lang="en-US" sz="1800" i="1" smtClean="0">
+              <a:rPr lang="en-US" sz="1800" i="1" dirty="0" smtClean="0">
                 <a:sym typeface="Symbol" pitchFamily="18" charset="2"/>
               </a:rPr>
               <a:t>               </a:t>
             </a:r>
             <a:r>
-              <a:rPr lang="en-US" sz="1800" b="1" smtClean="0">
+              <a:rPr lang="en-US" sz="1800" b="1" dirty="0" smtClean="0">
                 <a:solidFill>
                   <a:srgbClr val="000099"/>
                 </a:solidFill>
@@ -51923,7 +52683,7 @@
               </a:rPr>
               <a:t>(augmentation)</a:t>
             </a:r>
-            <a:endParaRPr lang="en-US" sz="1800" smtClean="0">
+            <a:endParaRPr lang="en-US" sz="1800" dirty="0" smtClean="0">
               <a:solidFill>
                 <a:srgbClr val="000099"/>
               </a:solidFill>
@@ -51933,73 +52693,73 @@
           <a:p>
             <a:pPr lvl="1"/>
             <a:r>
-              <a:rPr lang="en-US" sz="1800" smtClean="0">
+              <a:rPr lang="en-US" sz="1800" dirty="0" smtClean="0">
                 <a:sym typeface="Symbol" pitchFamily="18" charset="2"/>
               </a:rPr>
               <a:t>if  </a:t>
             </a:r>
             <a:r>
-              <a:rPr lang="en-US" sz="1800" smtClean="0">
+              <a:rPr lang="en-US" sz="1800" dirty="0" smtClean="0">
                 <a:sym typeface="Monotype Sorts" pitchFamily="2" charset="2"/>
               </a:rPr>
               <a:t> </a:t>
             </a:r>
             <a:r>
-              <a:rPr lang="en-US" sz="1800" i="1" smtClean="0">
+              <a:rPr lang="en-US" sz="1800" i="1" dirty="0" smtClean="0">
                 <a:sym typeface="Symbol" pitchFamily="18" charset="2"/>
               </a:rPr>
               <a:t>, </a:t>
             </a:r>
             <a:r>
-              <a:rPr lang="en-US" sz="1800" smtClean="0">
+              <a:rPr lang="en-US" sz="1800" dirty="0" smtClean="0">
                 <a:sym typeface="Symbol" pitchFamily="18" charset="2"/>
               </a:rPr>
               <a:t>and </a:t>
             </a:r>
             <a:r>
-              <a:rPr lang="en-US" sz="1800" i="1" smtClean="0">
+              <a:rPr lang="en-US" sz="1800" i="1" dirty="0" smtClean="0">
                 <a:sym typeface="Symbol" pitchFamily="18" charset="2"/>
               </a:rPr>
               <a:t> </a:t>
             </a:r>
             <a:r>
-              <a:rPr lang="en-US" sz="1800" smtClean="0">
+              <a:rPr lang="en-US" sz="1800" dirty="0" smtClean="0">
                 <a:sym typeface="Symbol" pitchFamily="18" charset="2"/>
               </a:rPr>
               <a:t> </a:t>
             </a:r>
             <a:r>
-              <a:rPr lang="en-US" sz="1800" smtClean="0">
+              <a:rPr lang="en-US" sz="1800" dirty="0" smtClean="0">
                 <a:sym typeface="Monotype Sorts" pitchFamily="2" charset="2"/>
               </a:rPr>
               <a:t>, then </a:t>
             </a:r>
             <a:r>
-              <a:rPr lang="en-US" sz="1800" smtClean="0">
+              <a:rPr lang="en-US" sz="1800" dirty="0" smtClean="0">
                 <a:sym typeface="Symbol" pitchFamily="18" charset="2"/>
               </a:rPr>
               <a:t> </a:t>
             </a:r>
             <a:r>
-              <a:rPr lang="en-US" sz="1800" smtClean="0">
+              <a:rPr lang="en-US" sz="1800" dirty="0" smtClean="0">
                 <a:sym typeface="Monotype Sorts" pitchFamily="2" charset="2"/>
               </a:rPr>
               <a:t> </a:t>
             </a:r>
             <a:r>
-              <a:rPr lang="en-US" sz="1800" smtClean="0">
+              <a:rPr lang="en-US" sz="1800" dirty="0" smtClean="0">
                 <a:sym typeface="Symbol" pitchFamily="18" charset="2"/>
               </a:rPr>
               <a:t> </a:t>
             </a:r>
             <a:r>
-              <a:rPr lang="en-US" sz="1800" smtClean="0">
+              <a:rPr lang="en-US" sz="1800" dirty="0" smtClean="0">
                 <a:sym typeface="Greek Symbols" pitchFamily="18" charset="2"/>
               </a:rPr>
               <a:t>   </a:t>
             </a:r>
             <a:r>
-              <a:rPr lang="en-US" sz="1800" b="1" smtClean="0">
+              <a:rPr lang="en-US" sz="1800" b="1" dirty="0" smtClean="0">
                 <a:solidFill>
                   <a:srgbClr val="000099"/>
                 </a:solidFill>
@@ -52010,13 +52770,13 @@
           </a:p>
           <a:p>
             <a:pPr lvl="1"/>
-            <a:endParaRPr lang="en-US" sz="1800" b="1" smtClean="0">
+            <a:endParaRPr lang="en-US" sz="1800" b="1" dirty="0" smtClean="0">
               <a:sym typeface="Greek Symbols" pitchFamily="18" charset="2"/>
             </a:endParaRPr>
           </a:p>
           <a:p>
             <a:r>
-              <a:rPr lang="en-US" smtClean="0">
+              <a:rPr lang="en-US" dirty="0" smtClean="0">
                 <a:sym typeface="Greek Symbols" pitchFamily="18" charset="2"/>
               </a:rPr>
               <a:t>These rules are </a:t>
@@ -52025,7 +52785,7 @@
           <a:p>
             <a:pPr lvl="1"/>
             <a:r>
-              <a:rPr lang="en-US" sz="1800" smtClean="0">
+              <a:rPr lang="en-US" sz="1800" dirty="0" smtClean="0">
                 <a:solidFill>
                   <a:schemeClr val="tx2"/>
                 </a:solidFill>
@@ -52034,7 +52794,7 @@
               <a:t>sound</a:t>
             </a:r>
             <a:r>
-              <a:rPr lang="en-US" sz="1800" smtClean="0">
+              <a:rPr lang="en-US" sz="1800" dirty="0" smtClean="0">
                 <a:sym typeface="Greek Symbols" pitchFamily="18" charset="2"/>
               </a:rPr>
               <a:t> (generate only functional dependencies that actually hold) and </a:t>
@@ -52043,7 +52803,7 @@
           <a:p>
             <a:pPr lvl="1"/>
             <a:r>
-              <a:rPr lang="en-US" sz="1800" smtClean="0">
+              <a:rPr lang="en-US" sz="1800" dirty="0" smtClean="0">
                 <a:solidFill>
                   <a:schemeClr val="tx2"/>
                 </a:solidFill>
@@ -52052,7 +52812,7 @@
               <a:t>complete</a:t>
             </a:r>
             <a:r>
-              <a:rPr lang="en-US" sz="1800" smtClean="0">
+              <a:rPr lang="en-US" sz="1800" dirty="0" smtClean="0">
                 <a:sym typeface="Greek Symbols" pitchFamily="18" charset="2"/>
               </a:rPr>
               <a:t> (generate all functional dependencies that hold)</a:t>
@@ -54219,7 +54979,7 @@
                   <a:srgbClr val="000099"/>
                 </a:solidFill>
               </a:rPr>
-              <a:t>        A </a:t>
+              <a:t>   </a:t>
             </a:r>
             <a:r>
               <a:rPr lang="en-US" dirty="0" smtClean="0">
@@ -54227,6 +54987,14 @@
                   <a:srgbClr val="000099"/>
                 </a:solidFill>
               </a:rPr>
+              <a:t>A </a:t>
+            </a:r>
+            <a:r>
+              <a:rPr lang="en-US" dirty="0" smtClean="0">
+                <a:solidFill>
+                  <a:srgbClr val="000099"/>
+                </a:solidFill>
+              </a:rPr>
               <a:t>set of attributes of </a:t>
             </a:r>
             <a:r>
@@ -54259,23 +55027,7 @@
                   <a:srgbClr val="000099"/>
                 </a:solidFill>
               </a:rPr>
-              <a:t> if and only if the set functionally determines </a:t>
-            </a:r>
-            <a:r>
-              <a:rPr lang="en-US" dirty="0" smtClean="0">
-                <a:solidFill>
-                  <a:srgbClr val="000099"/>
-                </a:solidFill>
-              </a:rPr>
-              <a:t>every attribute </a:t>
-            </a:r>
-            <a:r>
-              <a:rPr lang="en-US" dirty="0" smtClean="0">
-                <a:solidFill>
-                  <a:srgbClr val="000099"/>
-                </a:solidFill>
-              </a:rPr>
-              <a:t>of the relation. </a:t>
+              <a:t> if and only if the set functionally determines every attribute of the relation. </a:t>
             </a:r>
           </a:p>
           <a:p>
@@ -54907,13 +55659,7 @@
               <a:rPr lang="en-US" sz="1800" i="1" dirty="0" smtClean="0">
                 <a:sym typeface="Symbol" pitchFamily="18" charset="2"/>
               </a:rPr>
-              <a:t>Closure of AG is - (</a:t>
-            </a:r>
-            <a:r>
-              <a:rPr lang="en-US" sz="1800" i="1" dirty="0" smtClean="0">
-                <a:sym typeface="Symbol" pitchFamily="18" charset="2"/>
-              </a:rPr>
-              <a:t>AG)</a:t>
+              <a:t>Closure of AG is - (AG)</a:t>
             </a:r>
             <a:r>
               <a:rPr lang="en-US" sz="1800" baseline="30000" dirty="0" smtClean="0">
@@ -55457,8 +56203,8 @@
         </p:nvSpPr>
         <p:spPr>
           <a:xfrm>
-            <a:off x="785786" y="5357826"/>
-            <a:ext cx="6680034" cy="1200329"/>
+            <a:off x="571472" y="5143512"/>
+            <a:ext cx="6109365" cy="1477328"/>
           </a:xfrm>
           <a:prstGeom prst="rect">
             <a:avLst/>
@@ -55493,7 +56239,18 @@
             </a:r>
             <a:r>
               <a:rPr lang="en-GB" dirty="0" smtClean="0"/>
-              <a:t> req. Non candidate key (E) is dependent on subset (B) of candidate key {B,C}</a:t>
+              <a:t> req. Non candidate key (E) is dependent </a:t>
+            </a:r>
+            <a:endParaRPr lang="en-GB" dirty="0" smtClean="0"/>
+          </a:p>
+          <a:p>
+            <a:r>
+              <a:rPr lang="en-GB" dirty="0" smtClean="0"/>
+              <a:t>on </a:t>
+            </a:r>
+            <a:r>
+              <a:rPr lang="en-GB" dirty="0" smtClean="0"/>
+              <a:t>subset (B) of candidate key {B,C}</a:t>
             </a:r>
           </a:p>
           <a:p>
@@ -55578,7 +56335,7 @@
         </p:nvSpPr>
         <p:spPr>
           <a:xfrm>
-            <a:off x="785786" y="5357826"/>
+            <a:off x="285720" y="5286388"/>
             <a:ext cx="5638082" cy="1200329"/>
           </a:xfrm>
           <a:prstGeom prst="rect">
